--- a/Spark Streaming相关的素材.pptx
+++ b/Spark Streaming相关的素材.pptx
@@ -5,10 +5,11 @@
     <p:sldMasterId id="2147483648" r:id="rId1"/>
   </p:sldMasterIdLst>
   <p:notesMasterIdLst>
-    <p:notesMasterId r:id="rId3"/>
+    <p:notesMasterId r:id="rId4"/>
   </p:notesMasterIdLst>
   <p:sldIdLst>
     <p:sldId id="256" r:id="rId2"/>
+    <p:sldId id="257" r:id="rId3"/>
   </p:sldIdLst>
   <p:sldSz cx="12192000" cy="6858000"/>
   <p:notesSz cx="6858000" cy="9144000"/>
@@ -107,6 +108,11 @@
       </a:defRPr>
     </a:lvl9pPr>
   </p:defaultTextStyle>
+  <p:extLst>
+    <p:ext uri="{EFAFB233-063F-42B5-8137-9DF3F51BA10A}">
+      <p15:sldGuideLst xmlns:p15="http://schemas.microsoft.com/office/powerpoint/2012/main"/>
+    </p:ext>
+  </p:extLst>
 </p:presentation>
 </file>
 
@@ -192,7 +198,7 @@
           <a:p>
             <a:fld id="{3132DECC-00BB-4B50-9049-62A6D307B1F6}" type="datetimeFigureOut">
               <a:rPr lang="zh-CN" altLang="en-US" smtClean="0"/>
-              <a:t>2017/8/5</a:t>
+              <a:t>2017/8/7</a:t>
             </a:fld>
             <a:endParaRPr lang="zh-CN" altLang="en-US"/>
           </a:p>
@@ -675,7 +681,7 @@
           <a:p>
             <a:fld id="{BDA2A833-F478-40E7-9169-749BB18431CD}" type="datetimeFigureOut">
               <a:rPr lang="zh-CN" altLang="en-US" smtClean="0"/>
-              <a:t>2017/8/5</a:t>
+              <a:t>2017/8/7</a:t>
             </a:fld>
             <a:endParaRPr lang="zh-CN" altLang="en-US"/>
           </a:p>
@@ -845,7 +851,7 @@
           <a:p>
             <a:fld id="{BDA2A833-F478-40E7-9169-749BB18431CD}" type="datetimeFigureOut">
               <a:rPr lang="zh-CN" altLang="en-US" smtClean="0"/>
-              <a:t>2017/8/5</a:t>
+              <a:t>2017/8/7</a:t>
             </a:fld>
             <a:endParaRPr lang="zh-CN" altLang="en-US"/>
           </a:p>
@@ -1025,7 +1031,7 @@
           <a:p>
             <a:fld id="{BDA2A833-F478-40E7-9169-749BB18431CD}" type="datetimeFigureOut">
               <a:rPr lang="zh-CN" altLang="en-US" smtClean="0"/>
-              <a:t>2017/8/5</a:t>
+              <a:t>2017/8/7</a:t>
             </a:fld>
             <a:endParaRPr lang="zh-CN" altLang="en-US"/>
           </a:p>
@@ -1195,7 +1201,7 @@
           <a:p>
             <a:fld id="{BDA2A833-F478-40E7-9169-749BB18431CD}" type="datetimeFigureOut">
               <a:rPr lang="zh-CN" altLang="en-US" smtClean="0"/>
-              <a:t>2017/8/5</a:t>
+              <a:t>2017/8/7</a:t>
             </a:fld>
             <a:endParaRPr lang="zh-CN" altLang="en-US"/>
           </a:p>
@@ -1441,7 +1447,7 @@
           <a:p>
             <a:fld id="{BDA2A833-F478-40E7-9169-749BB18431CD}" type="datetimeFigureOut">
               <a:rPr lang="zh-CN" altLang="en-US" smtClean="0"/>
-              <a:t>2017/8/5</a:t>
+              <a:t>2017/8/7</a:t>
             </a:fld>
             <a:endParaRPr lang="zh-CN" altLang="en-US"/>
           </a:p>
@@ -1673,7 +1679,7 @@
           <a:p>
             <a:fld id="{BDA2A833-F478-40E7-9169-749BB18431CD}" type="datetimeFigureOut">
               <a:rPr lang="zh-CN" altLang="en-US" smtClean="0"/>
-              <a:t>2017/8/5</a:t>
+              <a:t>2017/8/7</a:t>
             </a:fld>
             <a:endParaRPr lang="zh-CN" altLang="en-US"/>
           </a:p>
@@ -2040,7 +2046,7 @@
           <a:p>
             <a:fld id="{BDA2A833-F478-40E7-9169-749BB18431CD}" type="datetimeFigureOut">
               <a:rPr lang="zh-CN" altLang="en-US" smtClean="0"/>
-              <a:t>2017/8/5</a:t>
+              <a:t>2017/8/7</a:t>
             </a:fld>
             <a:endParaRPr lang="zh-CN" altLang="en-US"/>
           </a:p>
@@ -2158,7 +2164,7 @@
           <a:p>
             <a:fld id="{BDA2A833-F478-40E7-9169-749BB18431CD}" type="datetimeFigureOut">
               <a:rPr lang="zh-CN" altLang="en-US" smtClean="0"/>
-              <a:t>2017/8/5</a:t>
+              <a:t>2017/8/7</a:t>
             </a:fld>
             <a:endParaRPr lang="zh-CN" altLang="en-US"/>
           </a:p>
@@ -2253,7 +2259,7 @@
           <a:p>
             <a:fld id="{BDA2A833-F478-40E7-9169-749BB18431CD}" type="datetimeFigureOut">
               <a:rPr lang="zh-CN" altLang="en-US" smtClean="0"/>
-              <a:t>2017/8/5</a:t>
+              <a:t>2017/8/7</a:t>
             </a:fld>
             <a:endParaRPr lang="zh-CN" altLang="en-US"/>
           </a:p>
@@ -2530,7 +2536,7 @@
           <a:p>
             <a:fld id="{BDA2A833-F478-40E7-9169-749BB18431CD}" type="datetimeFigureOut">
               <a:rPr lang="zh-CN" altLang="en-US" smtClean="0"/>
-              <a:t>2017/8/5</a:t>
+              <a:t>2017/8/7</a:t>
             </a:fld>
             <a:endParaRPr lang="zh-CN" altLang="en-US"/>
           </a:p>
@@ -2783,7 +2789,7 @@
           <a:p>
             <a:fld id="{BDA2A833-F478-40E7-9169-749BB18431CD}" type="datetimeFigureOut">
               <a:rPr lang="zh-CN" altLang="en-US" smtClean="0"/>
-              <a:t>2017/8/5</a:t>
+              <a:t>2017/8/7</a:t>
             </a:fld>
             <a:endParaRPr lang="zh-CN" altLang="en-US"/>
           </a:p>
@@ -2996,7 +3002,7 @@
           <a:p>
             <a:fld id="{BDA2A833-F478-40E7-9169-749BB18431CD}" type="datetimeFigureOut">
               <a:rPr lang="zh-CN" altLang="en-US" smtClean="0"/>
-              <a:t>2017/8/5</a:t>
+              <a:t>2017/8/7</a:t>
             </a:fld>
             <a:endParaRPr lang="zh-CN" altLang="en-US"/>
           </a:p>
@@ -4279,6 +4285,36 @@
     <p:extLst>
       <p:ext uri="{BB962C8B-B14F-4D97-AF65-F5344CB8AC3E}">
         <p14:creationId xmlns:p14="http://schemas.microsoft.com/office/powerpoint/2010/main" val="2447707044"/>
+      </p:ext>
+    </p:extLst>
+  </p:cSld>
+  <p:clrMapOvr>
+    <a:masterClrMapping/>
+  </p:clrMapOvr>
+</p:sld>
+</file>
+
+<file path=ppt/slides/slide2.xml><?xml version="1.0" encoding="utf-8"?>
+<p:sld xmlns:a="http://schemas.openxmlformats.org/drawingml/2006/main" xmlns:r="http://schemas.openxmlformats.org/officeDocument/2006/relationships" xmlns:p="http://schemas.openxmlformats.org/presentationml/2006/main">
+  <p:cSld>
+    <p:spTree>
+      <p:nvGrpSpPr>
+        <p:cNvPr id="1" name=""/>
+        <p:cNvGrpSpPr/>
+        <p:nvPr/>
+      </p:nvGrpSpPr>
+      <p:grpSpPr>
+        <a:xfrm>
+          <a:off x="0" y="0"/>
+          <a:ext cx="0" cy="0"/>
+          <a:chOff x="0" y="0"/>
+          <a:chExt cx="0" cy="0"/>
+        </a:xfrm>
+      </p:grpSpPr>
+    </p:spTree>
+    <p:extLst>
+      <p:ext uri="{BB962C8B-B14F-4D97-AF65-F5344CB8AC3E}">
+        <p14:creationId xmlns:p14="http://schemas.microsoft.com/office/powerpoint/2010/main" val="660295863"/>
       </p:ext>
     </p:extLst>
   </p:cSld>

--- a/Spark Streaming相关的素材.pptx
+++ b/Spark Streaming相关的素材.pptx
@@ -5,11 +5,12 @@
     <p:sldMasterId id="2147483648" r:id="rId1"/>
   </p:sldMasterIdLst>
   <p:notesMasterIdLst>
-    <p:notesMasterId r:id="rId4"/>
+    <p:notesMasterId r:id="rId5"/>
   </p:notesMasterIdLst>
   <p:sldIdLst>
     <p:sldId id="256" r:id="rId2"/>
     <p:sldId id="257" r:id="rId3"/>
+    <p:sldId id="258" r:id="rId4"/>
   </p:sldIdLst>
   <p:sldSz cx="12192000" cy="6858000"/>
   <p:notesSz cx="6858000" cy="9144000"/>
@@ -198,7 +199,7 @@
           <a:p>
             <a:fld id="{3132DECC-00BB-4B50-9049-62A6D307B1F6}" type="datetimeFigureOut">
               <a:rPr lang="zh-CN" altLang="en-US" smtClean="0"/>
-              <a:t>2017/8/7</a:t>
+              <a:t>2017/8/8</a:t>
             </a:fld>
             <a:endParaRPr lang="zh-CN" altLang="en-US"/>
           </a:p>
@@ -550,6 +551,109 @@
 </p:notes>
 </file>
 
+<file path=ppt/notesSlides/notesSlide2.xml><?xml version="1.0" encoding="utf-8"?>
+<p:notes xmlns:a="http://schemas.openxmlformats.org/drawingml/2006/main" xmlns:r="http://schemas.openxmlformats.org/officeDocument/2006/relationships" xmlns:p="http://schemas.openxmlformats.org/presentationml/2006/main">
+  <p:cSld>
+    <p:spTree>
+      <p:nvGrpSpPr>
+        <p:cNvPr id="1" name=""/>
+        <p:cNvGrpSpPr/>
+        <p:nvPr/>
+      </p:nvGrpSpPr>
+      <p:grpSpPr>
+        <a:xfrm>
+          <a:off x="0" y="0"/>
+          <a:ext cx="0" cy="0"/>
+          <a:chOff x="0" y="0"/>
+          <a:chExt cx="0" cy="0"/>
+        </a:xfrm>
+      </p:grpSpPr>
+      <p:sp>
+        <p:nvSpPr>
+          <p:cNvPr id="2" name="幻灯片图像占位符 1"/>
+          <p:cNvSpPr>
+            <a:spLocks noGrp="1" noRot="1" noChangeAspect="1"/>
+          </p:cNvSpPr>
+          <p:nvPr>
+            <p:ph type="sldImg"/>
+          </p:nvPr>
+        </p:nvSpPr>
+        <p:spPr/>
+      </p:sp>
+      <p:sp>
+        <p:nvSpPr>
+          <p:cNvPr id="3" name="备注占位符 2"/>
+          <p:cNvSpPr>
+            <a:spLocks noGrp="1"/>
+          </p:cNvSpPr>
+          <p:nvPr>
+            <p:ph type="body" idx="1"/>
+          </p:nvPr>
+        </p:nvSpPr>
+        <p:spPr/>
+        <p:txBody>
+          <a:bodyPr/>
+          <a:lstStyle/>
+          <a:p>
+            <a:pPr marL="0" marR="0" lvl="0" indent="0" algn="l" defTabSz="914400" rtl="0" eaLnBrk="1" fontAlgn="auto" latinLnBrk="0" hangingPunct="1">
+              <a:lnSpc>
+                <a:spcPct val="100000"/>
+              </a:lnSpc>
+              <a:spcBef>
+                <a:spcPts val="0"/>
+              </a:spcBef>
+              <a:spcAft>
+                <a:spcPts val="0"/>
+              </a:spcAft>
+              <a:buClrTx/>
+              <a:buSzTx/>
+              <a:buFontTx/>
+              <a:buNone/>
+              <a:tabLst/>
+              <a:defRPr/>
+            </a:pPr>
+            <a:endParaRPr lang="zh-CN" altLang="zh-CN" sz="1400" smtClean="0">
+              <a:latin typeface="Arial" panose="020B0604020202020204" pitchFamily="34" charset="0"/>
+            </a:endParaRPr>
+          </a:p>
+        </p:txBody>
+      </p:sp>
+      <p:sp>
+        <p:nvSpPr>
+          <p:cNvPr id="4" name="灯片编号占位符 3"/>
+          <p:cNvSpPr>
+            <a:spLocks noGrp="1"/>
+          </p:cNvSpPr>
+          <p:nvPr>
+            <p:ph type="sldNum" sz="quarter" idx="10"/>
+          </p:nvPr>
+        </p:nvSpPr>
+        <p:spPr/>
+        <p:txBody>
+          <a:bodyPr/>
+          <a:lstStyle/>
+          <a:p>
+            <a:fld id="{56289E8A-2D55-4CFD-A8C1-7E8E469493C6}" type="slidenum">
+              <a:rPr lang="zh-CN" altLang="en-US" smtClean="0"/>
+              <a:t>2</a:t>
+            </a:fld>
+            <a:endParaRPr lang="zh-CN" altLang="en-US"/>
+          </a:p>
+        </p:txBody>
+      </p:sp>
+    </p:spTree>
+    <p:extLst>
+      <p:ext uri="{BB962C8B-B14F-4D97-AF65-F5344CB8AC3E}">
+        <p14:creationId xmlns:p14="http://schemas.microsoft.com/office/powerpoint/2010/main" val="1792539742"/>
+      </p:ext>
+    </p:extLst>
+  </p:cSld>
+  <p:clrMapOvr>
+    <a:masterClrMapping/>
+  </p:clrMapOvr>
+</p:notes>
+</file>
+
 <file path=ppt/slideLayouts/slideLayout1.xml><?xml version="1.0" encoding="utf-8"?>
 <p:sldLayout xmlns:a="http://schemas.openxmlformats.org/drawingml/2006/main" xmlns:r="http://schemas.openxmlformats.org/officeDocument/2006/relationships" xmlns:p="http://schemas.openxmlformats.org/presentationml/2006/main" type="title" preserve="1">
   <p:cSld name="标题幻灯片">
@@ -681,7 +785,7 @@
           <a:p>
             <a:fld id="{BDA2A833-F478-40E7-9169-749BB18431CD}" type="datetimeFigureOut">
               <a:rPr lang="zh-CN" altLang="en-US" smtClean="0"/>
-              <a:t>2017/8/7</a:t>
+              <a:t>2017/8/8</a:t>
             </a:fld>
             <a:endParaRPr lang="zh-CN" altLang="en-US"/>
           </a:p>
@@ -851,7 +955,7 @@
           <a:p>
             <a:fld id="{BDA2A833-F478-40E7-9169-749BB18431CD}" type="datetimeFigureOut">
               <a:rPr lang="zh-CN" altLang="en-US" smtClean="0"/>
-              <a:t>2017/8/7</a:t>
+              <a:t>2017/8/8</a:t>
             </a:fld>
             <a:endParaRPr lang="zh-CN" altLang="en-US"/>
           </a:p>
@@ -1031,7 +1135,7 @@
           <a:p>
             <a:fld id="{BDA2A833-F478-40E7-9169-749BB18431CD}" type="datetimeFigureOut">
               <a:rPr lang="zh-CN" altLang="en-US" smtClean="0"/>
-              <a:t>2017/8/7</a:t>
+              <a:t>2017/8/8</a:t>
             </a:fld>
             <a:endParaRPr lang="zh-CN" altLang="en-US"/>
           </a:p>
@@ -1201,7 +1305,7 @@
           <a:p>
             <a:fld id="{BDA2A833-F478-40E7-9169-749BB18431CD}" type="datetimeFigureOut">
               <a:rPr lang="zh-CN" altLang="en-US" smtClean="0"/>
-              <a:t>2017/8/7</a:t>
+              <a:t>2017/8/8</a:t>
             </a:fld>
             <a:endParaRPr lang="zh-CN" altLang="en-US"/>
           </a:p>
@@ -1447,7 +1551,7 @@
           <a:p>
             <a:fld id="{BDA2A833-F478-40E7-9169-749BB18431CD}" type="datetimeFigureOut">
               <a:rPr lang="zh-CN" altLang="en-US" smtClean="0"/>
-              <a:t>2017/8/7</a:t>
+              <a:t>2017/8/8</a:t>
             </a:fld>
             <a:endParaRPr lang="zh-CN" altLang="en-US"/>
           </a:p>
@@ -1679,7 +1783,7 @@
           <a:p>
             <a:fld id="{BDA2A833-F478-40E7-9169-749BB18431CD}" type="datetimeFigureOut">
               <a:rPr lang="zh-CN" altLang="en-US" smtClean="0"/>
-              <a:t>2017/8/7</a:t>
+              <a:t>2017/8/8</a:t>
             </a:fld>
             <a:endParaRPr lang="zh-CN" altLang="en-US"/>
           </a:p>
@@ -2046,7 +2150,7 @@
           <a:p>
             <a:fld id="{BDA2A833-F478-40E7-9169-749BB18431CD}" type="datetimeFigureOut">
               <a:rPr lang="zh-CN" altLang="en-US" smtClean="0"/>
-              <a:t>2017/8/7</a:t>
+              <a:t>2017/8/8</a:t>
             </a:fld>
             <a:endParaRPr lang="zh-CN" altLang="en-US"/>
           </a:p>
@@ -2164,7 +2268,7 @@
           <a:p>
             <a:fld id="{BDA2A833-F478-40E7-9169-749BB18431CD}" type="datetimeFigureOut">
               <a:rPr lang="zh-CN" altLang="en-US" smtClean="0"/>
-              <a:t>2017/8/7</a:t>
+              <a:t>2017/8/8</a:t>
             </a:fld>
             <a:endParaRPr lang="zh-CN" altLang="en-US"/>
           </a:p>
@@ -2259,7 +2363,7 @@
           <a:p>
             <a:fld id="{BDA2A833-F478-40E7-9169-749BB18431CD}" type="datetimeFigureOut">
               <a:rPr lang="zh-CN" altLang="en-US" smtClean="0"/>
-              <a:t>2017/8/7</a:t>
+              <a:t>2017/8/8</a:t>
             </a:fld>
             <a:endParaRPr lang="zh-CN" altLang="en-US"/>
           </a:p>
@@ -2536,7 +2640,7 @@
           <a:p>
             <a:fld id="{BDA2A833-F478-40E7-9169-749BB18431CD}" type="datetimeFigureOut">
               <a:rPr lang="zh-CN" altLang="en-US" smtClean="0"/>
-              <a:t>2017/8/7</a:t>
+              <a:t>2017/8/8</a:t>
             </a:fld>
             <a:endParaRPr lang="zh-CN" altLang="en-US"/>
           </a:p>
@@ -2789,7 +2893,7 @@
           <a:p>
             <a:fld id="{BDA2A833-F478-40E7-9169-749BB18431CD}" type="datetimeFigureOut">
               <a:rPr lang="zh-CN" altLang="en-US" smtClean="0"/>
-              <a:t>2017/8/7</a:t>
+              <a:t>2017/8/8</a:t>
             </a:fld>
             <a:endParaRPr lang="zh-CN" altLang="en-US"/>
           </a:p>
@@ -3002,7 +3106,7 @@
           <a:p>
             <a:fld id="{BDA2A833-F478-40E7-9169-749BB18431CD}" type="datetimeFigureOut">
               <a:rPr lang="zh-CN" altLang="en-US" smtClean="0"/>
-              <a:t>2017/8/7</a:t>
+              <a:t>2017/8/8</a:t>
             </a:fld>
             <a:endParaRPr lang="zh-CN" altLang="en-US"/>
           </a:p>
@@ -4311,10 +4415,552 @@
           <a:chExt cx="0" cy="0"/>
         </a:xfrm>
       </p:grpSpPr>
+      <p:sp>
+        <p:nvSpPr>
+          <p:cNvPr id="2" name="矩形 1"/>
+          <p:cNvSpPr/>
+          <p:nvPr/>
+        </p:nvSpPr>
+        <p:spPr>
+          <a:xfrm>
+            <a:off x="268103" y="608614"/>
+            <a:ext cx="4059253" cy="2615014"/>
+          </a:xfrm>
+          <a:prstGeom prst="rect">
+            <a:avLst/>
+          </a:prstGeom>
+          <a:solidFill>
+            <a:schemeClr val="bg2"/>
+          </a:solidFill>
+          <a:ln>
+            <a:solidFill>
+              <a:schemeClr val="bg2"/>
+            </a:solidFill>
+          </a:ln>
+        </p:spPr>
+        <p:style>
+          <a:lnRef idx="2">
+            <a:schemeClr val="accent1">
+              <a:shade val="50000"/>
+            </a:schemeClr>
+          </a:lnRef>
+          <a:fillRef idx="1">
+            <a:schemeClr val="accent1"/>
+          </a:fillRef>
+          <a:effectRef idx="0">
+            <a:schemeClr val="accent1"/>
+          </a:effectRef>
+          <a:fontRef idx="minor">
+            <a:schemeClr val="lt1"/>
+          </a:fontRef>
+        </p:style>
+        <p:txBody>
+          <a:bodyPr rtlCol="0" anchor="ctr"/>
+          <a:lstStyle/>
+          <a:p>
+            <a:pPr algn="ctr"/>
+            <a:endParaRPr lang="zh-CN" altLang="en-US"/>
+          </a:p>
+        </p:txBody>
+      </p:sp>
+      <p:sp>
+        <p:nvSpPr>
+          <p:cNvPr id="5" name="文本框 4"/>
+          <p:cNvSpPr txBox="1"/>
+          <p:nvPr/>
+        </p:nvSpPr>
+        <p:spPr>
+          <a:xfrm>
+            <a:off x="2803021" y="239282"/>
+            <a:ext cx="2210862" cy="369332"/>
+          </a:xfrm>
+          <a:prstGeom prst="rect">
+            <a:avLst/>
+          </a:prstGeom>
+          <a:noFill/>
+        </p:spPr>
+        <p:txBody>
+          <a:bodyPr wrap="none" rtlCol="0">
+            <a:spAutoFit/>
+          </a:bodyPr>
+          <a:lstStyle/>
+          <a:p>
+            <a:pPr lvl="0">
+              <a:defRPr/>
+            </a:pPr>
+            <a:r>
+              <a:rPr lang="zh-CN" altLang="zh-CN" smtClean="0">
+                <a:latin typeface="Consolas" panose="020B0609020204030204" pitchFamily="49" charset="0"/>
+              </a:rPr>
+              <a:t>StreamingContext</a:t>
+            </a:r>
+            <a:endParaRPr lang="zh-CN" altLang="zh-CN" sz="2000">
+              <a:latin typeface="Arial" panose="020B0604020202020204" pitchFamily="34" charset="0"/>
+            </a:endParaRPr>
+          </a:p>
+        </p:txBody>
+      </p:sp>
+      <p:sp>
+        <p:nvSpPr>
+          <p:cNvPr id="6" name="文本框 5"/>
+          <p:cNvSpPr txBox="1"/>
+          <p:nvPr/>
+        </p:nvSpPr>
+        <p:spPr>
+          <a:xfrm>
+            <a:off x="343591" y="709740"/>
+            <a:ext cx="2210862" cy="369332"/>
+          </a:xfrm>
+          <a:prstGeom prst="rect">
+            <a:avLst/>
+          </a:prstGeom>
+          <a:noFill/>
+        </p:spPr>
+        <p:txBody>
+          <a:bodyPr wrap="none" rtlCol="0">
+            <a:spAutoFit/>
+          </a:bodyPr>
+          <a:lstStyle/>
+          <a:p>
+            <a:pPr lvl="0">
+              <a:defRPr/>
+            </a:pPr>
+            <a:r>
+              <a:rPr lang="zh-CN" altLang="zh-CN" smtClean="0">
+                <a:latin typeface="Consolas" panose="020B0609020204030204" pitchFamily="49" charset="0"/>
+              </a:rPr>
+              <a:t>StreamingContext</a:t>
+            </a:r>
+            <a:endParaRPr lang="zh-CN" altLang="zh-CN" sz="2000">
+              <a:latin typeface="Arial" panose="020B0604020202020204" pitchFamily="34" charset="0"/>
+            </a:endParaRPr>
+          </a:p>
+        </p:txBody>
+      </p:sp>
+      <p:sp>
+        <p:nvSpPr>
+          <p:cNvPr id="7" name="矩形 6"/>
+          <p:cNvSpPr/>
+          <p:nvPr/>
+        </p:nvSpPr>
+        <p:spPr>
+          <a:xfrm>
+            <a:off x="1278686" y="1255649"/>
+            <a:ext cx="3048670" cy="1967575"/>
+          </a:xfrm>
+          <a:prstGeom prst="rect">
+            <a:avLst/>
+          </a:prstGeom>
+          <a:solidFill>
+            <a:schemeClr val="bg2">
+              <a:lumMod val="50000"/>
+            </a:schemeClr>
+          </a:solidFill>
+          <a:ln>
+            <a:solidFill>
+              <a:schemeClr val="bg2"/>
+            </a:solidFill>
+          </a:ln>
+        </p:spPr>
+        <p:style>
+          <a:lnRef idx="2">
+            <a:schemeClr val="accent1">
+              <a:shade val="50000"/>
+            </a:schemeClr>
+          </a:lnRef>
+          <a:fillRef idx="1">
+            <a:schemeClr val="accent1"/>
+          </a:fillRef>
+          <a:effectRef idx="0">
+            <a:schemeClr val="accent1"/>
+          </a:effectRef>
+          <a:fontRef idx="minor">
+            <a:schemeClr val="lt1"/>
+          </a:fontRef>
+        </p:style>
+        <p:txBody>
+          <a:bodyPr rtlCol="0" anchor="ctr"/>
+          <a:lstStyle/>
+          <a:p>
+            <a:pPr algn="ctr"/>
+            <a:endParaRPr lang="zh-CN" altLang="en-US"/>
+          </a:p>
+        </p:txBody>
+      </p:sp>
+      <p:sp>
+        <p:nvSpPr>
+          <p:cNvPr id="8" name="文本框 7"/>
+          <p:cNvSpPr txBox="1"/>
+          <p:nvPr/>
+        </p:nvSpPr>
+        <p:spPr>
+          <a:xfrm>
+            <a:off x="1354173" y="1356775"/>
+            <a:ext cx="1435008" cy="369332"/>
+          </a:xfrm>
+          <a:prstGeom prst="rect">
+            <a:avLst/>
+          </a:prstGeom>
+          <a:solidFill>
+            <a:schemeClr val="bg2">
+              <a:lumMod val="50000"/>
+            </a:schemeClr>
+          </a:solidFill>
+        </p:spPr>
+        <p:txBody>
+          <a:bodyPr wrap="none" rtlCol="0">
+            <a:spAutoFit/>
+          </a:bodyPr>
+          <a:lstStyle/>
+          <a:p>
+            <a:r>
+              <a:rPr lang="en-US" altLang="zh-CN"/>
+              <a:t>JobScheduler</a:t>
+            </a:r>
+            <a:endParaRPr lang="zh-CN" altLang="en-US"/>
+          </a:p>
+        </p:txBody>
+      </p:sp>
+      <p:sp>
+        <p:nvSpPr>
+          <p:cNvPr id="9" name="矩形 8"/>
+          <p:cNvSpPr/>
+          <p:nvPr/>
+        </p:nvSpPr>
+        <p:spPr>
+          <a:xfrm>
+            <a:off x="2256184" y="1768998"/>
+            <a:ext cx="2071172" cy="1454226"/>
+          </a:xfrm>
+          <a:prstGeom prst="rect">
+            <a:avLst/>
+          </a:prstGeom>
+        </p:spPr>
+        <p:style>
+          <a:lnRef idx="2">
+            <a:schemeClr val="accent1">
+              <a:shade val="50000"/>
+            </a:schemeClr>
+          </a:lnRef>
+          <a:fillRef idx="1">
+            <a:schemeClr val="accent1"/>
+          </a:fillRef>
+          <a:effectRef idx="0">
+            <a:schemeClr val="accent1"/>
+          </a:effectRef>
+          <a:fontRef idx="minor">
+            <a:schemeClr val="lt1"/>
+          </a:fontRef>
+        </p:style>
+        <p:txBody>
+          <a:bodyPr rtlCol="0" anchor="ctr"/>
+          <a:lstStyle/>
+          <a:p>
+            <a:pPr algn="ctr"/>
+            <a:endParaRPr lang="zh-CN" altLang="en-US">
+              <a:solidFill>
+                <a:schemeClr val="tx1"/>
+              </a:solidFill>
+            </a:endParaRPr>
+          </a:p>
+        </p:txBody>
+      </p:sp>
+      <p:sp>
+        <p:nvSpPr>
+          <p:cNvPr id="10" name="文本框 9"/>
+          <p:cNvSpPr txBox="1"/>
+          <p:nvPr/>
+        </p:nvSpPr>
+        <p:spPr>
+          <a:xfrm>
+            <a:off x="2256184" y="1912218"/>
+            <a:ext cx="1724511" cy="369332"/>
+          </a:xfrm>
+          <a:prstGeom prst="rect">
+            <a:avLst/>
+          </a:prstGeom>
+          <a:noFill/>
+        </p:spPr>
+        <p:txBody>
+          <a:bodyPr wrap="none" rtlCol="0">
+            <a:spAutoFit/>
+          </a:bodyPr>
+          <a:lstStyle/>
+          <a:p>
+            <a:pPr algn="ctr"/>
+            <a:r>
+              <a:rPr lang="en-US" altLang="zh-CN" smtClean="0"/>
+              <a:t>InputInfoTracker</a:t>
+            </a:r>
+            <a:endParaRPr lang="zh-CN" altLang="en-US"/>
+          </a:p>
+        </p:txBody>
+      </p:sp>
+      <p:sp>
+        <p:nvSpPr>
+          <p:cNvPr id="11" name="矩形 10"/>
+          <p:cNvSpPr/>
+          <p:nvPr/>
+        </p:nvSpPr>
+        <p:spPr>
+          <a:xfrm>
+            <a:off x="7911981" y="3671937"/>
+            <a:ext cx="3048670" cy="1967575"/>
+          </a:xfrm>
+          <a:prstGeom prst="rect">
+            <a:avLst/>
+          </a:prstGeom>
+          <a:solidFill>
+            <a:schemeClr val="bg2">
+              <a:lumMod val="50000"/>
+            </a:schemeClr>
+          </a:solidFill>
+          <a:ln>
+            <a:solidFill>
+              <a:schemeClr val="bg2"/>
+            </a:solidFill>
+          </a:ln>
+        </p:spPr>
+        <p:style>
+          <a:lnRef idx="2">
+            <a:schemeClr val="accent1">
+              <a:shade val="50000"/>
+            </a:schemeClr>
+          </a:lnRef>
+          <a:fillRef idx="1">
+            <a:schemeClr val="accent1"/>
+          </a:fillRef>
+          <a:effectRef idx="0">
+            <a:schemeClr val="accent1"/>
+          </a:effectRef>
+          <a:fontRef idx="minor">
+            <a:schemeClr val="lt1"/>
+          </a:fontRef>
+        </p:style>
+        <p:txBody>
+          <a:bodyPr rtlCol="0" anchor="ctr"/>
+          <a:lstStyle/>
+          <a:p>
+            <a:pPr algn="ctr"/>
+            <a:endParaRPr lang="zh-CN" altLang="en-US"/>
+          </a:p>
+        </p:txBody>
+      </p:sp>
+      <p:sp>
+        <p:nvSpPr>
+          <p:cNvPr id="12" name="文本框 11"/>
+          <p:cNvSpPr txBox="1"/>
+          <p:nvPr/>
+        </p:nvSpPr>
+        <p:spPr>
+          <a:xfrm>
+            <a:off x="7987468" y="3773063"/>
+            <a:ext cx="1461169" cy="369332"/>
+          </a:xfrm>
+          <a:prstGeom prst="rect">
+            <a:avLst/>
+          </a:prstGeom>
+          <a:solidFill>
+            <a:schemeClr val="bg2">
+              <a:lumMod val="50000"/>
+            </a:schemeClr>
+          </a:solidFill>
+        </p:spPr>
+        <p:txBody>
+          <a:bodyPr wrap="none" rtlCol="0">
+            <a:spAutoFit/>
+          </a:bodyPr>
+          <a:lstStyle/>
+          <a:p>
+            <a:r>
+              <a:rPr lang="en-US" altLang="zh-CN"/>
+              <a:t>JobGenerator</a:t>
+            </a:r>
+            <a:endParaRPr lang="zh-CN" altLang="en-US"/>
+          </a:p>
+        </p:txBody>
+      </p:sp>
+      <p:sp>
+        <p:nvSpPr>
+          <p:cNvPr id="13" name="矩形 12"/>
+          <p:cNvSpPr/>
+          <p:nvPr/>
+        </p:nvSpPr>
+        <p:spPr>
+          <a:xfrm>
+            <a:off x="8889479" y="4185286"/>
+            <a:ext cx="2071172" cy="1454226"/>
+          </a:xfrm>
+          <a:prstGeom prst="rect">
+            <a:avLst/>
+          </a:prstGeom>
+        </p:spPr>
+        <p:style>
+          <a:lnRef idx="2">
+            <a:schemeClr val="accent1">
+              <a:shade val="50000"/>
+            </a:schemeClr>
+          </a:lnRef>
+          <a:fillRef idx="1">
+            <a:schemeClr val="accent1"/>
+          </a:fillRef>
+          <a:effectRef idx="0">
+            <a:schemeClr val="accent1"/>
+          </a:effectRef>
+          <a:fontRef idx="minor">
+            <a:schemeClr val="lt1"/>
+          </a:fontRef>
+        </p:style>
+        <p:txBody>
+          <a:bodyPr rtlCol="0" anchor="ctr"/>
+          <a:lstStyle/>
+          <a:p>
+            <a:pPr algn="ctr"/>
+            <a:endParaRPr lang="zh-CN" altLang="en-US">
+              <a:solidFill>
+                <a:schemeClr val="tx1"/>
+              </a:solidFill>
+            </a:endParaRPr>
+          </a:p>
+        </p:txBody>
+      </p:sp>
+      <p:sp>
+        <p:nvSpPr>
+          <p:cNvPr id="14" name="文本框 13"/>
+          <p:cNvSpPr txBox="1"/>
+          <p:nvPr/>
+        </p:nvSpPr>
+        <p:spPr>
+          <a:xfrm>
+            <a:off x="8889479" y="4328506"/>
+            <a:ext cx="1435008" cy="369332"/>
+          </a:xfrm>
+          <a:prstGeom prst="rect">
+            <a:avLst/>
+          </a:prstGeom>
+          <a:noFill/>
+        </p:spPr>
+        <p:txBody>
+          <a:bodyPr wrap="none" rtlCol="0">
+            <a:spAutoFit/>
+          </a:bodyPr>
+          <a:lstStyle/>
+          <a:p>
+            <a:pPr lvl="0">
+              <a:defRPr/>
+            </a:pPr>
+            <a:r>
+              <a:rPr lang="en-US" altLang="zh-CN"/>
+              <a:t>JobScheduler</a:t>
+            </a:r>
+            <a:endParaRPr lang="zh-CN" altLang="zh-CN">
+              <a:latin typeface="Arial" panose="020B0604020202020204" pitchFamily="34" charset="0"/>
+            </a:endParaRPr>
+          </a:p>
+        </p:txBody>
+      </p:sp>
     </p:spTree>
     <p:extLst>
       <p:ext uri="{BB962C8B-B14F-4D97-AF65-F5344CB8AC3E}">
         <p14:creationId xmlns:p14="http://schemas.microsoft.com/office/powerpoint/2010/main" val="660295863"/>
+      </p:ext>
+    </p:extLst>
+  </p:cSld>
+  <p:clrMapOvr>
+    <a:masterClrMapping/>
+  </p:clrMapOvr>
+</p:sld>
+</file>
+
+<file path=ppt/slides/slide3.xml><?xml version="1.0" encoding="utf-8"?>
+<p:sld xmlns:a="http://schemas.openxmlformats.org/drawingml/2006/main" xmlns:r="http://schemas.openxmlformats.org/officeDocument/2006/relationships" xmlns:p="http://schemas.openxmlformats.org/presentationml/2006/main">
+  <p:cSld>
+    <p:spTree>
+      <p:nvGrpSpPr>
+        <p:cNvPr id="1" name=""/>
+        <p:cNvGrpSpPr/>
+        <p:nvPr/>
+      </p:nvGrpSpPr>
+      <p:grpSpPr>
+        <a:xfrm>
+          <a:off x="0" y="0"/>
+          <a:ext cx="0" cy="0"/>
+          <a:chOff x="0" y="0"/>
+          <a:chExt cx="0" cy="0"/>
+        </a:xfrm>
+      </p:grpSpPr>
+      <p:sp>
+        <p:nvSpPr>
+          <p:cNvPr id="4" name="矩形 3"/>
+          <p:cNvSpPr/>
+          <p:nvPr/>
+        </p:nvSpPr>
+        <p:spPr>
+          <a:xfrm>
+            <a:off x="2357716" y="506070"/>
+            <a:ext cx="7351059" cy="369332"/>
+          </a:xfrm>
+          <a:prstGeom prst="rect">
+            <a:avLst/>
+          </a:prstGeom>
+        </p:spPr>
+        <p:txBody>
+          <a:bodyPr wrap="square">
+            <a:spAutoFit/>
+          </a:bodyPr>
+          <a:lstStyle/>
+          <a:p>
+            <a:r>
+              <a:rPr lang="zh-CN" altLang="en-US"/>
+              <a:t>org.apache.spark.streaming.scheduler.JobGenerator#generateJobs</a:t>
+            </a:r>
+          </a:p>
+        </p:txBody>
+      </p:sp>
+      <p:sp>
+        <p:nvSpPr>
+          <p:cNvPr id="5" name="下箭头 4"/>
+          <p:cNvSpPr/>
+          <p:nvPr/>
+        </p:nvSpPr>
+        <p:spPr>
+          <a:xfrm>
+            <a:off x="5020235" y="875402"/>
+            <a:ext cx="295836" cy="469304"/>
+          </a:xfrm>
+          <a:prstGeom prst="downArrow">
+            <a:avLst/>
+          </a:prstGeom>
+        </p:spPr>
+        <p:style>
+          <a:lnRef idx="2">
+            <a:schemeClr val="accent1">
+              <a:shade val="50000"/>
+            </a:schemeClr>
+          </a:lnRef>
+          <a:fillRef idx="1">
+            <a:schemeClr val="accent1"/>
+          </a:fillRef>
+          <a:effectRef idx="0">
+            <a:schemeClr val="accent1"/>
+          </a:effectRef>
+          <a:fontRef idx="minor">
+            <a:schemeClr val="lt1"/>
+          </a:fontRef>
+        </p:style>
+        <p:txBody>
+          <a:bodyPr rtlCol="0" anchor="ctr"/>
+          <a:lstStyle/>
+          <a:p>
+            <a:pPr algn="ctr"/>
+            <a:endParaRPr lang="zh-CN" altLang="en-US"/>
+          </a:p>
+        </p:txBody>
+      </p:sp>
+    </p:spTree>
+    <p:extLst>
+      <p:ext uri="{BB962C8B-B14F-4D97-AF65-F5344CB8AC3E}">
+        <p14:creationId xmlns:p14="http://schemas.microsoft.com/office/powerpoint/2010/main" val="424906892"/>
       </p:ext>
     </p:extLst>
   </p:cSld>

--- a/Spark Streaming相关的素材.pptx
+++ b/Spark Streaming相关的素材.pptx
@@ -5,12 +5,14 @@
     <p:sldMasterId id="2147483648" r:id="rId1"/>
   </p:sldMasterIdLst>
   <p:notesMasterIdLst>
-    <p:notesMasterId r:id="rId5"/>
+    <p:notesMasterId r:id="rId7"/>
   </p:notesMasterIdLst>
   <p:sldIdLst>
     <p:sldId id="256" r:id="rId2"/>
     <p:sldId id="257" r:id="rId3"/>
     <p:sldId id="258" r:id="rId4"/>
+    <p:sldId id="259" r:id="rId5"/>
+    <p:sldId id="260" r:id="rId6"/>
   </p:sldIdLst>
   <p:sldSz cx="12192000" cy="6858000"/>
   <p:notesSz cx="6858000" cy="9144000"/>
@@ -199,7 +201,7 @@
           <a:p>
             <a:fld id="{3132DECC-00BB-4B50-9049-62A6D307B1F6}" type="datetimeFigureOut">
               <a:rPr lang="zh-CN" altLang="en-US" smtClean="0"/>
-              <a:t>2017/8/8</a:t>
+              <a:t>2017/8/10</a:t>
             </a:fld>
             <a:endParaRPr lang="zh-CN" altLang="en-US"/>
           </a:p>
@@ -654,6 +656,90 @@
 </p:notes>
 </file>
 
+<file path=ppt/notesSlides/notesSlide3.xml><?xml version="1.0" encoding="utf-8"?>
+<p:notes xmlns:a="http://schemas.openxmlformats.org/drawingml/2006/main" xmlns:r="http://schemas.openxmlformats.org/officeDocument/2006/relationships" xmlns:p="http://schemas.openxmlformats.org/presentationml/2006/main">
+  <p:cSld>
+    <p:spTree>
+      <p:nvGrpSpPr>
+        <p:cNvPr id="1" name=""/>
+        <p:cNvGrpSpPr/>
+        <p:nvPr/>
+      </p:nvGrpSpPr>
+      <p:grpSpPr>
+        <a:xfrm>
+          <a:off x="0" y="0"/>
+          <a:ext cx="0" cy="0"/>
+          <a:chOff x="0" y="0"/>
+          <a:chExt cx="0" cy="0"/>
+        </a:xfrm>
+      </p:grpSpPr>
+      <p:sp>
+        <p:nvSpPr>
+          <p:cNvPr id="2" name="幻灯片图像占位符 1"/>
+          <p:cNvSpPr>
+            <a:spLocks noGrp="1" noRot="1" noChangeAspect="1"/>
+          </p:cNvSpPr>
+          <p:nvPr>
+            <p:ph type="sldImg"/>
+          </p:nvPr>
+        </p:nvSpPr>
+        <p:spPr/>
+      </p:sp>
+      <p:sp>
+        <p:nvSpPr>
+          <p:cNvPr id="3" name="备注占位符 2"/>
+          <p:cNvSpPr>
+            <a:spLocks noGrp="1"/>
+          </p:cNvSpPr>
+          <p:nvPr>
+            <p:ph type="body" idx="1"/>
+          </p:nvPr>
+        </p:nvSpPr>
+        <p:spPr/>
+        <p:txBody>
+          <a:bodyPr/>
+          <a:lstStyle/>
+          <a:p>
+            <a:endParaRPr lang="zh-CN" altLang="en-US"/>
+          </a:p>
+        </p:txBody>
+      </p:sp>
+      <p:sp>
+        <p:nvSpPr>
+          <p:cNvPr id="4" name="灯片编号占位符 3"/>
+          <p:cNvSpPr>
+            <a:spLocks noGrp="1"/>
+          </p:cNvSpPr>
+          <p:nvPr>
+            <p:ph type="sldNum" sz="quarter" idx="10"/>
+          </p:nvPr>
+        </p:nvSpPr>
+        <p:spPr/>
+        <p:txBody>
+          <a:bodyPr/>
+          <a:lstStyle/>
+          <a:p>
+            <a:fld id="{56289E8A-2D55-4CFD-A8C1-7E8E469493C6}" type="slidenum">
+              <a:rPr lang="zh-CN" altLang="en-US" smtClean="0"/>
+              <a:t>4</a:t>
+            </a:fld>
+            <a:endParaRPr lang="zh-CN" altLang="en-US"/>
+          </a:p>
+        </p:txBody>
+      </p:sp>
+    </p:spTree>
+    <p:extLst>
+      <p:ext uri="{BB962C8B-B14F-4D97-AF65-F5344CB8AC3E}">
+        <p14:creationId xmlns:p14="http://schemas.microsoft.com/office/powerpoint/2010/main" val="1727365604"/>
+      </p:ext>
+    </p:extLst>
+  </p:cSld>
+  <p:clrMapOvr>
+    <a:masterClrMapping/>
+  </p:clrMapOvr>
+</p:notes>
+</file>
+
 <file path=ppt/slideLayouts/slideLayout1.xml><?xml version="1.0" encoding="utf-8"?>
 <p:sldLayout xmlns:a="http://schemas.openxmlformats.org/drawingml/2006/main" xmlns:r="http://schemas.openxmlformats.org/officeDocument/2006/relationships" xmlns:p="http://schemas.openxmlformats.org/presentationml/2006/main" type="title" preserve="1">
   <p:cSld name="标题幻灯片">
@@ -785,7 +871,7 @@
           <a:p>
             <a:fld id="{BDA2A833-F478-40E7-9169-749BB18431CD}" type="datetimeFigureOut">
               <a:rPr lang="zh-CN" altLang="en-US" smtClean="0"/>
-              <a:t>2017/8/8</a:t>
+              <a:t>2017/8/10</a:t>
             </a:fld>
             <a:endParaRPr lang="zh-CN" altLang="en-US"/>
           </a:p>
@@ -955,7 +1041,7 @@
           <a:p>
             <a:fld id="{BDA2A833-F478-40E7-9169-749BB18431CD}" type="datetimeFigureOut">
               <a:rPr lang="zh-CN" altLang="en-US" smtClean="0"/>
-              <a:t>2017/8/8</a:t>
+              <a:t>2017/8/10</a:t>
             </a:fld>
             <a:endParaRPr lang="zh-CN" altLang="en-US"/>
           </a:p>
@@ -1135,7 +1221,7 @@
           <a:p>
             <a:fld id="{BDA2A833-F478-40E7-9169-749BB18431CD}" type="datetimeFigureOut">
               <a:rPr lang="zh-CN" altLang="en-US" smtClean="0"/>
-              <a:t>2017/8/8</a:t>
+              <a:t>2017/8/10</a:t>
             </a:fld>
             <a:endParaRPr lang="zh-CN" altLang="en-US"/>
           </a:p>
@@ -1305,7 +1391,7 @@
           <a:p>
             <a:fld id="{BDA2A833-F478-40E7-9169-749BB18431CD}" type="datetimeFigureOut">
               <a:rPr lang="zh-CN" altLang="en-US" smtClean="0"/>
-              <a:t>2017/8/8</a:t>
+              <a:t>2017/8/10</a:t>
             </a:fld>
             <a:endParaRPr lang="zh-CN" altLang="en-US"/>
           </a:p>
@@ -1551,7 +1637,7 @@
           <a:p>
             <a:fld id="{BDA2A833-F478-40E7-9169-749BB18431CD}" type="datetimeFigureOut">
               <a:rPr lang="zh-CN" altLang="en-US" smtClean="0"/>
-              <a:t>2017/8/8</a:t>
+              <a:t>2017/8/10</a:t>
             </a:fld>
             <a:endParaRPr lang="zh-CN" altLang="en-US"/>
           </a:p>
@@ -1783,7 +1869,7 @@
           <a:p>
             <a:fld id="{BDA2A833-F478-40E7-9169-749BB18431CD}" type="datetimeFigureOut">
               <a:rPr lang="zh-CN" altLang="en-US" smtClean="0"/>
-              <a:t>2017/8/8</a:t>
+              <a:t>2017/8/10</a:t>
             </a:fld>
             <a:endParaRPr lang="zh-CN" altLang="en-US"/>
           </a:p>
@@ -2150,7 +2236,7 @@
           <a:p>
             <a:fld id="{BDA2A833-F478-40E7-9169-749BB18431CD}" type="datetimeFigureOut">
               <a:rPr lang="zh-CN" altLang="en-US" smtClean="0"/>
-              <a:t>2017/8/8</a:t>
+              <a:t>2017/8/10</a:t>
             </a:fld>
             <a:endParaRPr lang="zh-CN" altLang="en-US"/>
           </a:p>
@@ -2268,7 +2354,7 @@
           <a:p>
             <a:fld id="{BDA2A833-F478-40E7-9169-749BB18431CD}" type="datetimeFigureOut">
               <a:rPr lang="zh-CN" altLang="en-US" smtClean="0"/>
-              <a:t>2017/8/8</a:t>
+              <a:t>2017/8/10</a:t>
             </a:fld>
             <a:endParaRPr lang="zh-CN" altLang="en-US"/>
           </a:p>
@@ -2363,7 +2449,7 @@
           <a:p>
             <a:fld id="{BDA2A833-F478-40E7-9169-749BB18431CD}" type="datetimeFigureOut">
               <a:rPr lang="zh-CN" altLang="en-US" smtClean="0"/>
-              <a:t>2017/8/8</a:t>
+              <a:t>2017/8/10</a:t>
             </a:fld>
             <a:endParaRPr lang="zh-CN" altLang="en-US"/>
           </a:p>
@@ -2640,7 +2726,7 @@
           <a:p>
             <a:fld id="{BDA2A833-F478-40E7-9169-749BB18431CD}" type="datetimeFigureOut">
               <a:rPr lang="zh-CN" altLang="en-US" smtClean="0"/>
-              <a:t>2017/8/8</a:t>
+              <a:t>2017/8/10</a:t>
             </a:fld>
             <a:endParaRPr lang="zh-CN" altLang="en-US"/>
           </a:p>
@@ -2893,7 +2979,7 @@
           <a:p>
             <a:fld id="{BDA2A833-F478-40E7-9169-749BB18431CD}" type="datetimeFigureOut">
               <a:rPr lang="zh-CN" altLang="en-US" smtClean="0"/>
-              <a:t>2017/8/8</a:t>
+              <a:t>2017/8/10</a:t>
             </a:fld>
             <a:endParaRPr lang="zh-CN" altLang="en-US"/>
           </a:p>
@@ -3106,7 +3192,7 @@
           <a:p>
             <a:fld id="{BDA2A833-F478-40E7-9169-749BB18431CD}" type="datetimeFigureOut">
               <a:rPr lang="zh-CN" altLang="en-US" smtClean="0"/>
-              <a:t>2017/8/8</a:t>
+              <a:t>2017/8/10</a:t>
             </a:fld>
             <a:endParaRPr lang="zh-CN" altLang="en-US"/>
           </a:p>
@@ -4961,6 +5047,345 @@
     <p:extLst>
       <p:ext uri="{BB962C8B-B14F-4D97-AF65-F5344CB8AC3E}">
         <p14:creationId xmlns:p14="http://schemas.microsoft.com/office/powerpoint/2010/main" val="424906892"/>
+      </p:ext>
+    </p:extLst>
+  </p:cSld>
+  <p:clrMapOvr>
+    <a:masterClrMapping/>
+  </p:clrMapOvr>
+</p:sld>
+</file>
+
+<file path=ppt/slides/slide4.xml><?xml version="1.0" encoding="utf-8"?>
+<p:sld xmlns:a="http://schemas.openxmlformats.org/drawingml/2006/main" xmlns:r="http://schemas.openxmlformats.org/officeDocument/2006/relationships" xmlns:p="http://schemas.openxmlformats.org/presentationml/2006/main">
+  <p:cSld>
+    <p:spTree>
+      <p:nvGrpSpPr>
+        <p:cNvPr id="1" name=""/>
+        <p:cNvGrpSpPr/>
+        <p:nvPr/>
+      </p:nvGrpSpPr>
+      <p:grpSpPr>
+        <a:xfrm>
+          <a:off x="0" y="0"/>
+          <a:ext cx="0" cy="0"/>
+          <a:chOff x="0" y="0"/>
+          <a:chExt cx="0" cy="0"/>
+        </a:xfrm>
+      </p:grpSpPr>
+      <p:sp>
+        <p:nvSpPr>
+          <p:cNvPr id="4" name="文本框 3"/>
+          <p:cNvSpPr txBox="1"/>
+          <p:nvPr/>
+        </p:nvSpPr>
+        <p:spPr>
+          <a:xfrm>
+            <a:off x="116541" y="143435"/>
+            <a:ext cx="8573886" cy="369332"/>
+          </a:xfrm>
+          <a:prstGeom prst="rect">
+            <a:avLst/>
+          </a:prstGeom>
+          <a:noFill/>
+        </p:spPr>
+        <p:txBody>
+          <a:bodyPr wrap="none" rtlCol="0">
+            <a:spAutoFit/>
+          </a:bodyPr>
+          <a:lstStyle/>
+          <a:p>
+            <a:r>
+              <a:rPr lang="en-US" altLang="zh-CN" smtClean="0">
+                <a:solidFill>
+                  <a:srgbClr val="FF0000"/>
+                </a:solidFill>
+              </a:rPr>
+              <a:t>org.apache.spark.streaming.kafka010.DirectKafkaInputDStream#paranoidPoll</a:t>
+            </a:r>
+            <a:r>
+              <a:rPr lang="zh-CN" altLang="en-US" smtClean="0">
+                <a:solidFill>
+                  <a:srgbClr val="FF0000"/>
+                </a:solidFill>
+              </a:rPr>
+              <a:t>方法分析：</a:t>
+            </a:r>
+            <a:endParaRPr lang="zh-CN" altLang="en-US">
+              <a:solidFill>
+                <a:srgbClr val="FF0000"/>
+              </a:solidFill>
+            </a:endParaRPr>
+          </a:p>
+        </p:txBody>
+      </p:sp>
+      <p:sp>
+        <p:nvSpPr>
+          <p:cNvPr id="7" name="文本框 6"/>
+          <p:cNvSpPr txBox="1"/>
+          <p:nvPr/>
+        </p:nvSpPr>
+        <p:spPr>
+          <a:xfrm>
+            <a:off x="265175" y="1170432"/>
+            <a:ext cx="11274552" cy="954107"/>
+          </a:xfrm>
+          <a:prstGeom prst="rect">
+            <a:avLst/>
+          </a:prstGeom>
+          <a:noFill/>
+        </p:spPr>
+        <p:txBody>
+          <a:bodyPr wrap="square" rtlCol="0">
+            <a:spAutoFit/>
+          </a:bodyPr>
+          <a:lstStyle/>
+          <a:p>
+            <a:r>
+              <a:rPr lang="zh-CN" altLang="en-US" sz="1400" b="1" smtClean="0"/>
+              <a:t>目前个人理解的思路是：</a:t>
+            </a:r>
+            <a:endParaRPr lang="en-US" altLang="zh-CN" sz="1400" b="1" smtClean="0"/>
+          </a:p>
+          <a:p>
+            <a:r>
+              <a:rPr lang="en-US" altLang="zh-CN" sz="1400" smtClean="0"/>
+              <a:t>    </a:t>
+            </a:r>
+            <a:r>
+              <a:rPr lang="zh-CN" altLang="en-US" sz="1400" smtClean="0"/>
+              <a:t>通过</a:t>
+            </a:r>
+            <a:r>
+              <a:rPr lang="en-US" altLang="zh-CN" sz="1400" b="1"/>
+              <a:t>val </a:t>
+            </a:r>
+            <a:r>
+              <a:rPr lang="en-US" altLang="zh-CN" sz="1400"/>
+              <a:t>msgs = c.poll(0</a:t>
+            </a:r>
+            <a:r>
+              <a:rPr lang="en-US" altLang="zh-CN" sz="1400"/>
+              <a:t>) </a:t>
+            </a:r>
+            <a:r>
+              <a:rPr lang="zh-CN" altLang="en-US" sz="1400" smtClean="0"/>
+              <a:t>获取到消息之后。计算相同的“</a:t>
+            </a:r>
+            <a:r>
+              <a:rPr lang="en-US" altLang="zh-CN" sz="1400"/>
+              <a:t>topic</a:t>
+            </a:r>
+            <a:r>
+              <a:rPr lang="zh-CN" altLang="en-US" sz="1400"/>
+              <a:t>和</a:t>
+            </a:r>
+            <a:r>
+              <a:rPr lang="en-US" altLang="zh-CN" sz="1400" smtClean="0"/>
+              <a:t>partition</a:t>
+            </a:r>
+            <a:r>
+              <a:rPr lang="zh-CN" altLang="en-US" sz="1400" smtClean="0"/>
+              <a:t>”中偏移最小的消息。计算的最小偏移就是下一次的消费起始偏移</a:t>
+            </a:r>
+            <a:endParaRPr lang="en-US" altLang="zh-CN" sz="1400" smtClean="0"/>
+          </a:p>
+          <a:p>
+            <a:r>
+              <a:rPr lang="en-US" altLang="zh-CN" sz="1400"/>
+              <a:t> </a:t>
+            </a:r>
+            <a:r>
+              <a:rPr lang="en-US" altLang="zh-CN" sz="1400" smtClean="0"/>
+              <a:t>   </a:t>
+            </a:r>
+            <a:r>
+              <a:rPr lang="zh-CN" altLang="en-US" sz="1400" smtClean="0"/>
+              <a:t>通过</a:t>
+            </a:r>
+            <a:r>
+              <a:rPr lang="en-US" altLang="zh-CN" sz="1400"/>
+              <a:t>c.seek(tp, off</a:t>
+            </a:r>
+            <a:r>
+              <a:rPr lang="en-US" altLang="zh-CN" sz="1400"/>
+              <a:t>) </a:t>
+            </a:r>
+            <a:r>
+              <a:rPr lang="zh-CN" altLang="en-US" sz="1400" smtClean="0"/>
+              <a:t>移</a:t>
+            </a:r>
+            <a:r>
+              <a:rPr lang="zh-CN" altLang="en-US" sz="1400"/>
+              <a:t>到下一次消费的其实</a:t>
+            </a:r>
+            <a:r>
+              <a:rPr lang="zh-CN" altLang="en-US" sz="1400"/>
+              <a:t>偏移</a:t>
+            </a:r>
+            <a:r>
+              <a:rPr lang="zh-CN" altLang="en-US" sz="1400" smtClean="0"/>
+              <a:t>位置</a:t>
+            </a:r>
+            <a:endParaRPr lang="en-US" altLang="zh-CN" sz="1400" smtClean="0"/>
+          </a:p>
+          <a:p>
+            <a:endParaRPr lang="zh-CN" altLang="en-US" sz="1400"/>
+          </a:p>
+        </p:txBody>
+      </p:sp>
+      <p:sp>
+        <p:nvSpPr>
+          <p:cNvPr id="8" name="矩形 7"/>
+          <p:cNvSpPr/>
+          <p:nvPr/>
+        </p:nvSpPr>
+        <p:spPr>
+          <a:xfrm>
+            <a:off x="116541" y="2685211"/>
+            <a:ext cx="8878825" cy="369332"/>
+          </a:xfrm>
+          <a:prstGeom prst="rect">
+            <a:avLst/>
+          </a:prstGeom>
+        </p:spPr>
+        <p:txBody>
+          <a:bodyPr wrap="square">
+            <a:spAutoFit/>
+          </a:bodyPr>
+          <a:lstStyle/>
+          <a:p>
+            <a:r>
+              <a:rPr lang="en-US" altLang="zh-CN">
+                <a:solidFill>
+                  <a:srgbClr val="FF0000"/>
+                </a:solidFill>
+              </a:rPr>
+              <a:t>org.apache.spark.streaming.kafka010.DirectKafkaInputDStream#latestOffsets</a:t>
+            </a:r>
+            <a:endParaRPr lang="zh-CN" altLang="en-US">
+              <a:solidFill>
+                <a:srgbClr val="FF0000"/>
+              </a:solidFill>
+            </a:endParaRPr>
+          </a:p>
+        </p:txBody>
+      </p:sp>
+      <p:sp>
+        <p:nvSpPr>
+          <p:cNvPr id="9" name="文本框 8"/>
+          <p:cNvSpPr txBox="1"/>
+          <p:nvPr/>
+        </p:nvSpPr>
+        <p:spPr>
+          <a:xfrm>
+            <a:off x="116541" y="3425952"/>
+            <a:ext cx="11274552" cy="523220"/>
+          </a:xfrm>
+          <a:prstGeom prst="rect">
+            <a:avLst/>
+          </a:prstGeom>
+          <a:noFill/>
+        </p:spPr>
+        <p:txBody>
+          <a:bodyPr wrap="square" rtlCol="0">
+            <a:spAutoFit/>
+          </a:bodyPr>
+          <a:lstStyle/>
+          <a:p>
+            <a:r>
+              <a:rPr lang="zh-CN" altLang="en-US" sz="1400" b="1" smtClean="0"/>
+              <a:t>目前个人理解的思路是：</a:t>
+            </a:r>
+            <a:endParaRPr lang="en-US" altLang="zh-CN" sz="1400" b="1" smtClean="0"/>
+          </a:p>
+          <a:p>
+            <a:r>
+              <a:rPr lang="en-US" altLang="zh-CN" sz="1400" smtClean="0"/>
+              <a:t> </a:t>
+            </a:r>
+            <a:r>
+              <a:rPr lang="zh-CN" altLang="en-US" sz="1400" smtClean="0"/>
+              <a:t>将新分区添加到消费的记录集合中，同时移动每一个分区的</a:t>
+            </a:r>
+            <a:r>
+              <a:rPr lang="en-US" altLang="zh-CN" sz="1400" smtClean="0"/>
+              <a:t>offset</a:t>
+            </a:r>
+            <a:r>
+              <a:rPr lang="zh-CN" altLang="en-US" sz="1400" smtClean="0"/>
+              <a:t>到当前分区的</a:t>
+            </a:r>
+            <a:r>
+              <a:rPr lang="en-US" altLang="zh-CN" sz="1400" smtClean="0"/>
+              <a:t>end</a:t>
+            </a:r>
+            <a:r>
+              <a:rPr lang="zh-CN" altLang="en-US" sz="1400" smtClean="0"/>
+              <a:t>位置</a:t>
+            </a:r>
+            <a:endParaRPr lang="zh-CN" altLang="en-US" sz="1400"/>
+          </a:p>
+        </p:txBody>
+      </p:sp>
+    </p:spTree>
+    <p:extLst>
+      <p:ext uri="{BB962C8B-B14F-4D97-AF65-F5344CB8AC3E}">
+        <p14:creationId xmlns:p14="http://schemas.microsoft.com/office/powerpoint/2010/main" val="1343358352"/>
+      </p:ext>
+    </p:extLst>
+  </p:cSld>
+  <p:clrMapOvr>
+    <a:masterClrMapping/>
+  </p:clrMapOvr>
+</p:sld>
+</file>
+
+<file path=ppt/slides/slide5.xml><?xml version="1.0" encoding="utf-8"?>
+<p:sld xmlns:a="http://schemas.openxmlformats.org/drawingml/2006/main" xmlns:r="http://schemas.openxmlformats.org/officeDocument/2006/relationships" xmlns:p="http://schemas.openxmlformats.org/presentationml/2006/main">
+  <p:cSld>
+    <p:spTree>
+      <p:nvGrpSpPr>
+        <p:cNvPr id="1" name=""/>
+        <p:cNvGrpSpPr/>
+        <p:nvPr/>
+      </p:nvGrpSpPr>
+      <p:grpSpPr>
+        <a:xfrm>
+          <a:off x="0" y="0"/>
+          <a:ext cx="0" cy="0"/>
+          <a:chOff x="0" y="0"/>
+          <a:chExt cx="0" cy="0"/>
+        </a:xfrm>
+      </p:grpSpPr>
+      <p:pic>
+        <p:nvPicPr>
+          <p:cNvPr id="4" name="图片 3"/>
+          <p:cNvPicPr>
+            <a:picLocks noChangeAspect="1"/>
+          </p:cNvPicPr>
+          <p:nvPr/>
+        </p:nvPicPr>
+        <p:blipFill>
+          <a:blip r:embed="rId2"/>
+          <a:stretch>
+            <a:fillRect/>
+          </a:stretch>
+        </p:blipFill>
+        <p:spPr>
+          <a:xfrm>
+            <a:off x="0" y="0"/>
+            <a:ext cx="12197025" cy="5120640"/>
+          </a:xfrm>
+          <a:prstGeom prst="rect">
+            <a:avLst/>
+          </a:prstGeom>
+        </p:spPr>
+      </p:pic>
+    </p:spTree>
+    <p:extLst>
+      <p:ext uri="{BB962C8B-B14F-4D97-AF65-F5344CB8AC3E}">
+        <p14:creationId xmlns:p14="http://schemas.microsoft.com/office/powerpoint/2010/main" val="2282114623"/>
       </p:ext>
     </p:extLst>
   </p:cSld>

--- a/Spark Streaming相关的素材.pptx
+++ b/Spark Streaming相关的素材.pptx
@@ -5,7 +5,7 @@
     <p:sldMasterId id="2147483648" r:id="rId1"/>
   </p:sldMasterIdLst>
   <p:notesMasterIdLst>
-    <p:notesMasterId r:id="rId7"/>
+    <p:notesMasterId r:id="rId9"/>
   </p:notesMasterIdLst>
   <p:sldIdLst>
     <p:sldId id="256" r:id="rId2"/>
@@ -13,6 +13,8 @@
     <p:sldId id="258" r:id="rId4"/>
     <p:sldId id="259" r:id="rId5"/>
     <p:sldId id="260" r:id="rId6"/>
+    <p:sldId id="261" r:id="rId7"/>
+    <p:sldId id="262" r:id="rId8"/>
   </p:sldIdLst>
   <p:sldSz cx="12192000" cy="6858000"/>
   <p:notesSz cx="6858000" cy="9144000"/>
@@ -5162,11 +5164,7 @@
             </a:r>
             <a:r>
               <a:rPr lang="en-US" altLang="zh-CN" sz="1400"/>
-              <a:t>msgs = c.poll(0</a:t>
-            </a:r>
-            <a:r>
-              <a:rPr lang="en-US" altLang="zh-CN" sz="1400"/>
-              <a:t>) </a:t>
+              <a:t>msgs = c.poll(0) </a:t>
             </a:r>
             <a:r>
               <a:rPr lang="zh-CN" altLang="en-US" sz="1400" smtClean="0"/>
@@ -5205,11 +5203,7 @@
             </a:r>
             <a:r>
               <a:rPr lang="en-US" altLang="zh-CN" sz="1400"/>
-              <a:t>c.seek(tp, off</a:t>
-            </a:r>
-            <a:r>
-              <a:rPr lang="en-US" altLang="zh-CN" sz="1400"/>
-              <a:t>) </a:t>
+              <a:t>c.seek(tp, off) </a:t>
             </a:r>
             <a:r>
               <a:rPr lang="zh-CN" altLang="en-US" sz="1400" smtClean="0"/>
@@ -5217,11 +5211,7 @@
             </a:r>
             <a:r>
               <a:rPr lang="zh-CN" altLang="en-US" sz="1400"/>
-              <a:t>到下一次消费的其实</a:t>
-            </a:r>
-            <a:r>
-              <a:rPr lang="zh-CN" altLang="en-US" sz="1400"/>
-              <a:t>偏移</a:t>
+              <a:t>到下一次消费的其实偏移</a:t>
             </a:r>
             <a:r>
               <a:rPr lang="zh-CN" altLang="en-US" sz="1400" smtClean="0"/>
@@ -5386,6 +5376,162 @@
     <p:extLst>
       <p:ext uri="{BB962C8B-B14F-4D97-AF65-F5344CB8AC3E}">
         <p14:creationId xmlns:p14="http://schemas.microsoft.com/office/powerpoint/2010/main" val="2282114623"/>
+      </p:ext>
+    </p:extLst>
+  </p:cSld>
+  <p:clrMapOvr>
+    <a:masterClrMapping/>
+  </p:clrMapOvr>
+</p:sld>
+</file>
+
+<file path=ppt/slides/slide6.xml><?xml version="1.0" encoding="utf-8"?>
+<p:sld xmlns:a="http://schemas.openxmlformats.org/drawingml/2006/main" xmlns:r="http://schemas.openxmlformats.org/officeDocument/2006/relationships" xmlns:p="http://schemas.openxmlformats.org/presentationml/2006/main">
+  <p:cSld>
+    <p:spTree>
+      <p:nvGrpSpPr>
+        <p:cNvPr id="1" name=""/>
+        <p:cNvGrpSpPr/>
+        <p:nvPr/>
+      </p:nvGrpSpPr>
+      <p:grpSpPr>
+        <a:xfrm>
+          <a:off x="0" y="0"/>
+          <a:ext cx="0" cy="0"/>
+          <a:chOff x="0" y="0"/>
+          <a:chExt cx="0" cy="0"/>
+        </a:xfrm>
+      </p:grpSpPr>
+      <p:pic>
+        <p:nvPicPr>
+          <p:cNvPr id="4" name="图片 3"/>
+          <p:cNvPicPr>
+            <a:picLocks noChangeAspect="1"/>
+          </p:cNvPicPr>
+          <p:nvPr/>
+        </p:nvPicPr>
+        <p:blipFill>
+          <a:blip r:embed="rId2"/>
+          <a:stretch>
+            <a:fillRect/>
+          </a:stretch>
+        </p:blipFill>
+        <p:spPr>
+          <a:xfrm>
+            <a:off x="5462210" y="204333"/>
+            <a:ext cx="5857509" cy="2314748"/>
+          </a:xfrm>
+          <a:prstGeom prst="rect">
+            <a:avLst/>
+          </a:prstGeom>
+        </p:spPr>
+      </p:pic>
+      <p:pic>
+        <p:nvPicPr>
+          <p:cNvPr id="5" name="图片 4"/>
+          <p:cNvPicPr>
+            <a:picLocks noChangeAspect="1"/>
+          </p:cNvPicPr>
+          <p:nvPr/>
+        </p:nvPicPr>
+        <p:blipFill>
+          <a:blip r:embed="rId3"/>
+          <a:stretch>
+            <a:fillRect/>
+          </a:stretch>
+        </p:blipFill>
+        <p:spPr>
+          <a:xfrm>
+            <a:off x="-89648" y="2089561"/>
+            <a:ext cx="7875724" cy="1625758"/>
+          </a:xfrm>
+          <a:prstGeom prst="rect">
+            <a:avLst/>
+          </a:prstGeom>
+        </p:spPr>
+      </p:pic>
+      <p:pic>
+        <p:nvPicPr>
+          <p:cNvPr id="6" name="图片 5"/>
+          <p:cNvPicPr>
+            <a:picLocks noChangeAspect="1"/>
+          </p:cNvPicPr>
+          <p:nvPr/>
+        </p:nvPicPr>
+        <p:blipFill>
+          <a:blip r:embed="rId4"/>
+          <a:stretch>
+            <a:fillRect/>
+          </a:stretch>
+        </p:blipFill>
+        <p:spPr>
+          <a:xfrm>
+            <a:off x="2322298" y="3715319"/>
+            <a:ext cx="7565332" cy="3576065"/>
+          </a:xfrm>
+          <a:prstGeom prst="rect">
+            <a:avLst/>
+          </a:prstGeom>
+        </p:spPr>
+      </p:pic>
+    </p:spTree>
+    <p:extLst>
+      <p:ext uri="{BB962C8B-B14F-4D97-AF65-F5344CB8AC3E}">
+        <p14:creationId xmlns:p14="http://schemas.microsoft.com/office/powerpoint/2010/main" val="2382418585"/>
+      </p:ext>
+    </p:extLst>
+  </p:cSld>
+  <p:clrMapOvr>
+    <a:masterClrMapping/>
+  </p:clrMapOvr>
+</p:sld>
+</file>
+
+<file path=ppt/slides/slide7.xml><?xml version="1.0" encoding="utf-8"?>
+<p:sld xmlns:a="http://schemas.openxmlformats.org/drawingml/2006/main" xmlns:r="http://schemas.openxmlformats.org/officeDocument/2006/relationships" xmlns:p="http://schemas.openxmlformats.org/presentationml/2006/main">
+  <p:cSld>
+    <p:spTree>
+      <p:nvGrpSpPr>
+        <p:cNvPr id="1" name=""/>
+        <p:cNvGrpSpPr/>
+        <p:nvPr/>
+      </p:nvGrpSpPr>
+      <p:grpSpPr>
+        <a:xfrm>
+          <a:off x="0" y="0"/>
+          <a:ext cx="0" cy="0"/>
+          <a:chOff x="0" y="0"/>
+          <a:chExt cx="0" cy="0"/>
+        </a:xfrm>
+      </p:grpSpPr>
+      <p:pic>
+        <p:nvPicPr>
+          <p:cNvPr id="5" name="图片 4"/>
+          <p:cNvPicPr>
+            <a:picLocks noChangeAspect="1"/>
+          </p:cNvPicPr>
+          <p:nvPr/>
+        </p:nvPicPr>
+        <p:blipFill>
+          <a:blip r:embed="rId2"/>
+          <a:stretch>
+            <a:fillRect/>
+          </a:stretch>
+        </p:blipFill>
+        <p:spPr>
+          <a:xfrm>
+            <a:off x="2411505" y="0"/>
+            <a:ext cx="7232847" cy="6575315"/>
+          </a:xfrm>
+          <a:prstGeom prst="rect">
+            <a:avLst/>
+          </a:prstGeom>
+        </p:spPr>
+      </p:pic>
+    </p:spTree>
+    <p:extLst>
+      <p:ext uri="{BB962C8B-B14F-4D97-AF65-F5344CB8AC3E}">
+        <p14:creationId xmlns:p14="http://schemas.microsoft.com/office/powerpoint/2010/main" val="2943483211"/>
       </p:ext>
     </p:extLst>
   </p:cSld>
